--- a/4_Buckets.pptx
+++ b/4_Buckets.pptx
@@ -216,7 +216,7 @@
           <a:p>
             <a:fld id="{4CA2426E-871E-6048-897D-C00DFFEC19B5}" type="datetimeFigureOut">
               <a:rPr lang="en-US" smtClean="0"/>
-              <a:t>11/8/2020</a:t>
+              <a:t>11/17/2020</a:t>
             </a:fld>
             <a:endParaRPr lang="en-US"/>
           </a:p>
@@ -1614,7 +1614,7 @@
           <a:p>
             <a:fld id="{13715B60-62D5-4EFE-A3F5-FBA3AAADC5BB}" type="datetimeFigureOut">
               <a:rPr lang="en-US" smtClean="0"/>
-              <a:t>11/8/2020</a:t>
+              <a:t>11/17/2020</a:t>
             </a:fld>
             <a:endParaRPr lang="en-US"/>
           </a:p>
@@ -1902,7 +1902,7 @@
           <a:p>
             <a:fld id="{13715B60-62D5-4EFE-A3F5-FBA3AAADC5BB}" type="datetimeFigureOut">
               <a:rPr lang="en-US" smtClean="0"/>
-              <a:t>11/8/2020</a:t>
+              <a:t>11/17/2020</a:t>
             </a:fld>
             <a:endParaRPr lang="en-US"/>
           </a:p>
@@ -4979,7 +4979,7 @@
         </p:spPr>
         <p:txBody>
           <a:bodyPr>
-            <a:normAutofit fontScale="77500" lnSpcReduction="20000"/>
+            <a:normAutofit fontScale="70000" lnSpcReduction="20000"/>
           </a:bodyPr>
           <a:lstStyle/>
           <a:p>
@@ -5055,7 +5055,29 @@
             </a:r>
             <a:r>
               <a:rPr lang="en-US" dirty="0"/>
-              <a:t> can stream small files to or from a bucket using – as the source or destination as needed.  But Google doesn’t recommend streaming files larger than 100MB.</a:t>
+              <a:t> can stream small files to or from a bucket using – as the source or destination as needed.  </a:t>
+            </a:r>
+          </a:p>
+          <a:p>
+            <a:pPr marL="0" indent="0">
+              <a:buNone/>
+            </a:pPr>
+            <a:r>
+              <a:rPr lang="en-US" sz="2300" b="1" dirty="0" err="1"/>
+              <a:t>gsutil</a:t>
+            </a:r>
+            <a:r>
+              <a:rPr lang="en-US" sz="2300" b="1" dirty="0"/>
+              <a:t> cp gs://ncgas-workshop-dpr/hello.txt - | less</a:t>
+            </a:r>
+          </a:p>
+          <a:p>
+            <a:pPr marL="0" indent="0">
+              <a:buNone/>
+            </a:pPr>
+            <a:r>
+              <a:rPr lang="en-US" dirty="0"/>
+              <a:t>But Google doesn’t recommend streaming files larger than 100MB.</a:t>
             </a:r>
           </a:p>
           <a:p>
